--- a/möte 06-22.pptx
+++ b/möte 06-22.pptx
@@ -3960,7 +3960,7 @@
             </a:r>
             <a:r>
               <a:rPr lang="sv-SE" dirty="0"/>
-              <a:t>: , </a:t>
+              <a:t>: 1.299, </a:t>
             </a:r>
             <a:r>
               <a:rPr lang="sv-SE" dirty="0" err="1"/>
@@ -3968,7 +3968,7 @@
             </a:r>
             <a:r>
               <a:rPr lang="sv-SE" dirty="0"/>
-              <a:t>:</a:t>
+              <a:t>: 0.443</a:t>
             </a:r>
           </a:p>
           <a:p>
@@ -3987,7 +3987,7 @@
             </a:r>
             <a:r>
               <a:rPr lang="sv-SE" dirty="0"/>
-              <a:t>: , </a:t>
+              <a:t>: 1.394, </a:t>
             </a:r>
             <a:r>
               <a:rPr lang="sv-SE" dirty="0" err="1"/>
@@ -3995,7 +3995,7 @@
             </a:r>
             <a:r>
               <a:rPr lang="sv-SE" dirty="0"/>
-              <a:t>:</a:t>
+              <a:t>: 0.461</a:t>
             </a:r>
           </a:p>
           <a:p>
@@ -4014,16 +4014,17 @@
             </a:r>
             <a:r>
               <a:rPr lang="sv-SE" dirty="0"/>
-              <a:t>: , </a:t>
+              <a:t>: 1.253, </a:t>
             </a:r>
             <a:r>
               <a:rPr lang="sv-SE" dirty="0" err="1"/>
               <a:t>Voigt</a:t>
             </a:r>
             <a:r>
-              <a:rPr lang="sv-SE" dirty="0"/>
-              <a:t>:</a:t>
-            </a:r>
+              <a:rPr lang="sv-SE"/>
+              <a:t>: 0.452</a:t>
+            </a:r>
+            <a:endParaRPr lang="sv-SE" dirty="0"/>
           </a:p>
           <a:p>
             <a:endParaRPr lang="sv-SE" dirty="0"/>
@@ -4406,8 +4407,8 @@
           </a:xfrm>
         </p:spPr>
       </p:pic>
-      <mc:AlternateContent xmlns:mc="http://schemas.openxmlformats.org/markup-compatibility/2006">
-        <mc:Choice xmlns:a14="http://schemas.microsoft.com/office/drawing/2010/main" Requires="a14">
+      <mc:AlternateContent xmlns:mc="http://schemas.openxmlformats.org/markup-compatibility/2006" xmlns:a14="http://schemas.microsoft.com/office/drawing/2010/main">
+        <mc:Choice Requires="a14">
           <p:sp>
             <p:nvSpPr>
               <p:cNvPr id="6" name="textruta 5">
@@ -4725,7 +4726,7 @@
             </p:txBody>
           </p:sp>
         </mc:Choice>
-        <mc:Fallback>
+        <mc:Fallback xmlns="">
           <p:sp>
             <p:nvSpPr>
               <p:cNvPr id="6" name="textruta 5">
